--- a/doc/results_20140306/results_20140306.pptx
+++ b/doc/results_20140306/results_20140306.pptx
@@ -299,7 +299,7 @@
             <a:fld id="{1D8BD707-D9CF-40AE-B4C6-C98DA3205C09}" type="datetimeFigureOut">
               <a:rPr lang="en-US" smtClean="0"/>
               <a:pPr/>
-              <a:t>3/6/2014</a:t>
+              <a:t>3/7/2014</a:t>
             </a:fld>
             <a:endParaRPr lang="en-US"/>
           </a:p>
@@ -466,7 +466,7 @@
             <a:fld id="{1D8BD707-D9CF-40AE-B4C6-C98DA3205C09}" type="datetimeFigureOut">
               <a:rPr lang="en-US" smtClean="0"/>
               <a:pPr/>
-              <a:t>3/6/2014</a:t>
+              <a:t>3/7/2014</a:t>
             </a:fld>
             <a:endParaRPr lang="en-US"/>
           </a:p>
@@ -643,7 +643,7 @@
             <a:fld id="{1D8BD707-D9CF-40AE-B4C6-C98DA3205C09}" type="datetimeFigureOut">
               <a:rPr lang="en-US" smtClean="0"/>
               <a:pPr/>
-              <a:t>3/6/2014</a:t>
+              <a:t>3/7/2014</a:t>
             </a:fld>
             <a:endParaRPr lang="en-US"/>
           </a:p>
@@ -810,7 +810,7 @@
             <a:fld id="{1D8BD707-D9CF-40AE-B4C6-C98DA3205C09}" type="datetimeFigureOut">
               <a:rPr lang="en-US" smtClean="0"/>
               <a:pPr/>
-              <a:t>3/6/2014</a:t>
+              <a:t>3/7/2014</a:t>
             </a:fld>
             <a:endParaRPr lang="en-US"/>
           </a:p>
@@ -1053,7 +1053,7 @@
             <a:fld id="{1D8BD707-D9CF-40AE-B4C6-C98DA3205C09}" type="datetimeFigureOut">
               <a:rPr lang="en-US" smtClean="0"/>
               <a:pPr/>
-              <a:t>3/6/2014</a:t>
+              <a:t>3/7/2014</a:t>
             </a:fld>
             <a:endParaRPr lang="en-US"/>
           </a:p>
@@ -1338,7 +1338,7 @@
             <a:fld id="{1D8BD707-D9CF-40AE-B4C6-C98DA3205C09}" type="datetimeFigureOut">
               <a:rPr lang="en-US" smtClean="0"/>
               <a:pPr/>
-              <a:t>3/6/2014</a:t>
+              <a:t>3/7/2014</a:t>
             </a:fld>
             <a:endParaRPr lang="en-US"/>
           </a:p>
@@ -1757,7 +1757,7 @@
             <a:fld id="{1D8BD707-D9CF-40AE-B4C6-C98DA3205C09}" type="datetimeFigureOut">
               <a:rPr lang="en-US" smtClean="0"/>
               <a:pPr/>
-              <a:t>3/6/2014</a:t>
+              <a:t>3/7/2014</a:t>
             </a:fld>
             <a:endParaRPr lang="en-US"/>
           </a:p>
@@ -1872,7 +1872,7 @@
             <a:fld id="{1D8BD707-D9CF-40AE-B4C6-C98DA3205C09}" type="datetimeFigureOut">
               <a:rPr lang="en-US" smtClean="0"/>
               <a:pPr/>
-              <a:t>3/6/2014</a:t>
+              <a:t>3/7/2014</a:t>
             </a:fld>
             <a:endParaRPr lang="en-US"/>
           </a:p>
@@ -1964,7 +1964,7 @@
             <a:fld id="{1D8BD707-D9CF-40AE-B4C6-C98DA3205C09}" type="datetimeFigureOut">
               <a:rPr lang="en-US" smtClean="0"/>
               <a:pPr/>
-              <a:t>3/6/2014</a:t>
+              <a:t>3/7/2014</a:t>
             </a:fld>
             <a:endParaRPr lang="en-US"/>
           </a:p>
@@ -2238,7 +2238,7 @@
             <a:fld id="{1D8BD707-D9CF-40AE-B4C6-C98DA3205C09}" type="datetimeFigureOut">
               <a:rPr lang="en-US" smtClean="0"/>
               <a:pPr/>
-              <a:t>3/6/2014</a:t>
+              <a:t>3/7/2014</a:t>
             </a:fld>
             <a:endParaRPr lang="en-US"/>
           </a:p>
@@ -2488,7 +2488,7 @@
             <a:fld id="{1D8BD707-D9CF-40AE-B4C6-C98DA3205C09}" type="datetimeFigureOut">
               <a:rPr lang="en-US" smtClean="0"/>
               <a:pPr/>
-              <a:t>3/6/2014</a:t>
+              <a:t>3/7/2014</a:t>
             </a:fld>
             <a:endParaRPr lang="en-US"/>
           </a:p>
@@ -2698,7 +2698,7 @@
             <a:fld id="{1D8BD707-D9CF-40AE-B4C6-C98DA3205C09}" type="datetimeFigureOut">
               <a:rPr lang="en-US" smtClean="0"/>
               <a:pPr/>
-              <a:t>3/6/2014</a:t>
+              <a:t>3/7/2014</a:t>
             </a:fld>
             <a:endParaRPr lang="en-US"/>
           </a:p>
@@ -4090,6 +4090,336 @@
               <a:t>kde_feature_canberra.xml</a:t>
             </a:r>
             <a:endParaRPr lang="en-US" sz="2000" dirty="0"/>
+          </a:p>
+        </p:txBody>
+      </p:sp>
+      <p:sp>
+        <p:nvSpPr>
+          <p:cNvPr id="4" name="TextBox 3"/>
+          <p:cNvSpPr txBox="1"/>
+          <p:nvPr/>
+        </p:nvSpPr>
+        <p:spPr>
+          <a:xfrm>
+            <a:off x="3733800" y="4082534"/>
+            <a:ext cx="367408" cy="307777"/>
+          </a:xfrm>
+          <a:prstGeom prst="rect">
+            <a:avLst/>
+          </a:prstGeom>
+          <a:noFill/>
+        </p:spPr>
+        <p:txBody>
+          <a:bodyPr wrap="none" rtlCol="0">
+            <a:spAutoFit/>
+          </a:bodyPr>
+          <a:lstStyle/>
+          <a:p>
+            <a:r>
+              <a:rPr lang="en-US" sz="1400" dirty="0" smtClean="0"/>
+              <a:t>10</a:t>
+            </a:r>
+            <a:endParaRPr lang="en-US" sz="1400" dirty="0"/>
+          </a:p>
+        </p:txBody>
+      </p:sp>
+      <p:sp>
+        <p:nvSpPr>
+          <p:cNvPr id="5" name="TextBox 4"/>
+          <p:cNvSpPr txBox="1"/>
+          <p:nvPr/>
+        </p:nvSpPr>
+        <p:spPr>
+          <a:xfrm>
+            <a:off x="3611950" y="3200400"/>
+            <a:ext cx="276038" cy="307777"/>
+          </a:xfrm>
+          <a:prstGeom prst="rect">
+            <a:avLst/>
+          </a:prstGeom>
+          <a:noFill/>
+        </p:spPr>
+        <p:txBody>
+          <a:bodyPr wrap="none" rtlCol="0">
+            <a:spAutoFit/>
+          </a:bodyPr>
+          <a:lstStyle/>
+          <a:p>
+            <a:r>
+              <a:rPr lang="en-US" sz="1400" dirty="0" smtClean="0"/>
+              <a:t>7</a:t>
+            </a:r>
+            <a:endParaRPr lang="en-US" sz="1400" dirty="0"/>
+          </a:p>
+        </p:txBody>
+      </p:sp>
+      <p:sp>
+        <p:nvSpPr>
+          <p:cNvPr id="6" name="TextBox 5"/>
+          <p:cNvSpPr txBox="1"/>
+          <p:nvPr/>
+        </p:nvSpPr>
+        <p:spPr>
+          <a:xfrm>
+            <a:off x="3287998" y="2514600"/>
+            <a:ext cx="276038" cy="307777"/>
+          </a:xfrm>
+          <a:prstGeom prst="rect">
+            <a:avLst/>
+          </a:prstGeom>
+          <a:noFill/>
+        </p:spPr>
+        <p:txBody>
+          <a:bodyPr wrap="none" rtlCol="0">
+            <a:spAutoFit/>
+          </a:bodyPr>
+          <a:lstStyle/>
+          <a:p>
+            <a:r>
+              <a:rPr lang="en-US" sz="1400" dirty="0" smtClean="0"/>
+              <a:t>9</a:t>
+            </a:r>
+            <a:endParaRPr lang="en-US" sz="1400" dirty="0"/>
+          </a:p>
+        </p:txBody>
+      </p:sp>
+      <p:sp>
+        <p:nvSpPr>
+          <p:cNvPr id="7" name="TextBox 6"/>
+          <p:cNvSpPr txBox="1"/>
+          <p:nvPr/>
+        </p:nvSpPr>
+        <p:spPr>
+          <a:xfrm>
+            <a:off x="4724400" y="3951992"/>
+            <a:ext cx="276038" cy="307777"/>
+          </a:xfrm>
+          <a:prstGeom prst="rect">
+            <a:avLst/>
+          </a:prstGeom>
+          <a:noFill/>
+        </p:spPr>
+        <p:txBody>
+          <a:bodyPr wrap="none" rtlCol="0">
+            <a:spAutoFit/>
+          </a:bodyPr>
+          <a:lstStyle/>
+          <a:p>
+            <a:r>
+              <a:rPr lang="en-US" sz="1400" dirty="0" smtClean="0"/>
+              <a:t>2</a:t>
+            </a:r>
+            <a:endParaRPr lang="en-US" sz="1400" dirty="0"/>
+          </a:p>
+        </p:txBody>
+      </p:sp>
+      <p:sp>
+        <p:nvSpPr>
+          <p:cNvPr id="8" name="TextBox 7"/>
+          <p:cNvSpPr txBox="1"/>
+          <p:nvPr/>
+        </p:nvSpPr>
+        <p:spPr>
+          <a:xfrm>
+            <a:off x="2438400" y="4259769"/>
+            <a:ext cx="276038" cy="307777"/>
+          </a:xfrm>
+          <a:prstGeom prst="rect">
+            <a:avLst/>
+          </a:prstGeom>
+          <a:noFill/>
+        </p:spPr>
+        <p:txBody>
+          <a:bodyPr wrap="none" rtlCol="0">
+            <a:spAutoFit/>
+          </a:bodyPr>
+          <a:lstStyle/>
+          <a:p>
+            <a:r>
+              <a:rPr lang="en-US" sz="1400" dirty="0" smtClean="0"/>
+              <a:t>0</a:t>
+            </a:r>
+            <a:endParaRPr lang="en-US" sz="1400" dirty="0"/>
+          </a:p>
+        </p:txBody>
+      </p:sp>
+      <p:sp>
+        <p:nvSpPr>
+          <p:cNvPr id="9" name="TextBox 8"/>
+          <p:cNvSpPr txBox="1"/>
+          <p:nvPr/>
+        </p:nvSpPr>
+        <p:spPr>
+          <a:xfrm>
+            <a:off x="4972895" y="2906917"/>
+            <a:ext cx="276038" cy="307777"/>
+          </a:xfrm>
+          <a:prstGeom prst="rect">
+            <a:avLst/>
+          </a:prstGeom>
+          <a:noFill/>
+        </p:spPr>
+        <p:txBody>
+          <a:bodyPr wrap="none" rtlCol="0">
+            <a:spAutoFit/>
+          </a:bodyPr>
+          <a:lstStyle/>
+          <a:p>
+            <a:r>
+              <a:rPr lang="en-US" sz="1400" dirty="0" smtClean="0"/>
+              <a:t>8</a:t>
+            </a:r>
+            <a:endParaRPr lang="en-US" sz="1400" dirty="0"/>
+          </a:p>
+        </p:txBody>
+      </p:sp>
+      <p:sp>
+        <p:nvSpPr>
+          <p:cNvPr id="10" name="TextBox 9"/>
+          <p:cNvSpPr txBox="1"/>
+          <p:nvPr/>
+        </p:nvSpPr>
+        <p:spPr>
+          <a:xfrm>
+            <a:off x="5638800" y="4236422"/>
+            <a:ext cx="276038" cy="307777"/>
+          </a:xfrm>
+          <a:prstGeom prst="rect">
+            <a:avLst/>
+          </a:prstGeom>
+          <a:noFill/>
+        </p:spPr>
+        <p:txBody>
+          <a:bodyPr wrap="none" rtlCol="0">
+            <a:spAutoFit/>
+          </a:bodyPr>
+          <a:lstStyle/>
+          <a:p>
+            <a:r>
+              <a:rPr lang="en-US" sz="1400" dirty="0" smtClean="0"/>
+              <a:t>3</a:t>
+            </a:r>
+            <a:endParaRPr lang="en-US" sz="1400" dirty="0"/>
+          </a:p>
+        </p:txBody>
+      </p:sp>
+      <p:sp>
+        <p:nvSpPr>
+          <p:cNvPr id="11" name="TextBox 10"/>
+          <p:cNvSpPr txBox="1"/>
+          <p:nvPr/>
+        </p:nvSpPr>
+        <p:spPr>
+          <a:xfrm>
+            <a:off x="4888825" y="4293833"/>
+            <a:ext cx="276038" cy="307777"/>
+          </a:xfrm>
+          <a:prstGeom prst="rect">
+            <a:avLst/>
+          </a:prstGeom>
+          <a:noFill/>
+        </p:spPr>
+        <p:txBody>
+          <a:bodyPr wrap="none" rtlCol="0">
+            <a:spAutoFit/>
+          </a:bodyPr>
+          <a:lstStyle/>
+          <a:p>
+            <a:r>
+              <a:rPr lang="en-US" sz="1400" dirty="0" smtClean="0"/>
+              <a:t>4</a:t>
+            </a:r>
+            <a:endParaRPr lang="en-US" sz="1400" dirty="0"/>
+          </a:p>
+        </p:txBody>
+      </p:sp>
+      <p:sp>
+        <p:nvSpPr>
+          <p:cNvPr id="12" name="TextBox 11"/>
+          <p:cNvSpPr txBox="1"/>
+          <p:nvPr/>
+        </p:nvSpPr>
+        <p:spPr>
+          <a:xfrm>
+            <a:off x="4448362" y="4544199"/>
+            <a:ext cx="276038" cy="307777"/>
+          </a:xfrm>
+          <a:prstGeom prst="rect">
+            <a:avLst/>
+          </a:prstGeom>
+          <a:noFill/>
+        </p:spPr>
+        <p:txBody>
+          <a:bodyPr wrap="none" rtlCol="0">
+            <a:spAutoFit/>
+          </a:bodyPr>
+          <a:lstStyle/>
+          <a:p>
+            <a:r>
+              <a:rPr lang="en-US" sz="1400" dirty="0" smtClean="0"/>
+              <a:t>1</a:t>
+            </a:r>
+            <a:endParaRPr lang="en-US" sz="1400" dirty="0"/>
+          </a:p>
+        </p:txBody>
+      </p:sp>
+      <p:sp>
+        <p:nvSpPr>
+          <p:cNvPr id="13" name="TextBox 12"/>
+          <p:cNvSpPr txBox="1"/>
+          <p:nvPr/>
+        </p:nvSpPr>
+        <p:spPr>
+          <a:xfrm>
+            <a:off x="5110914" y="2514599"/>
+            <a:ext cx="276038" cy="307777"/>
+          </a:xfrm>
+          <a:prstGeom prst="rect">
+            <a:avLst/>
+          </a:prstGeom>
+          <a:noFill/>
+        </p:spPr>
+        <p:txBody>
+          <a:bodyPr wrap="none" rtlCol="0">
+            <a:spAutoFit/>
+          </a:bodyPr>
+          <a:lstStyle/>
+          <a:p>
+            <a:r>
+              <a:rPr lang="en-US" sz="1400" dirty="0" smtClean="0"/>
+              <a:t>6</a:t>
+            </a:r>
+            <a:endParaRPr lang="en-US" sz="1400" dirty="0"/>
+          </a:p>
+        </p:txBody>
+      </p:sp>
+      <p:sp>
+        <p:nvSpPr>
+          <p:cNvPr id="14" name="TextBox 13"/>
+          <p:cNvSpPr txBox="1"/>
+          <p:nvPr/>
+        </p:nvSpPr>
+        <p:spPr>
+          <a:xfrm>
+            <a:off x="5914838" y="2599140"/>
+            <a:ext cx="276038" cy="307777"/>
+          </a:xfrm>
+          <a:prstGeom prst="rect">
+            <a:avLst/>
+          </a:prstGeom>
+          <a:noFill/>
+        </p:spPr>
+        <p:txBody>
+          <a:bodyPr wrap="none" rtlCol="0">
+            <a:spAutoFit/>
+          </a:bodyPr>
+          <a:lstStyle/>
+          <a:p>
+            <a:r>
+              <a:rPr lang="en-US" sz="1400" dirty="0" smtClean="0"/>
+              <a:t>5</a:t>
+            </a:r>
+            <a:endParaRPr lang="en-US" sz="1400" dirty="0"/>
           </a:p>
         </p:txBody>
       </p:sp>
